--- a/doc/Apresentacao.pptx
+++ b/doc/Apresentacao.pptx
@@ -10,8 +10,11 @@
     <p:sldId id="258" r:id="rId4"/>
     <p:sldId id="259" r:id="rId5"/>
     <p:sldId id="260" r:id="rId6"/>
-    <p:sldId id="261" r:id="rId7"/>
-    <p:sldId id="262" r:id="rId8"/>
+    <p:sldId id="263" r:id="rId7"/>
+    <p:sldId id="261" r:id="rId8"/>
+    <p:sldId id="262" r:id="rId9"/>
+    <p:sldId id="264" r:id="rId10"/>
+    <p:sldId id="265" r:id="rId11"/>
   </p:sldIdLst>
   <p:sldSz cx="9144000" cy="6858000" type="screen4x3"/>
   <p:notesSz cx="6858000" cy="9144000"/>
@@ -3847,6 +3850,109 @@
 </p:sld>
 </file>
 
+<file path=ppt/slides/slide10.xml><?xml version="1.0" encoding="utf-8"?>
+<p:sld xmlns:a="http://schemas.openxmlformats.org/drawingml/2006/main" xmlns:r="http://schemas.openxmlformats.org/officeDocument/2006/relationships" xmlns:p="http://schemas.openxmlformats.org/presentationml/2006/main">
+  <p:cSld>
+    <p:spTree>
+      <p:nvGrpSpPr>
+        <p:cNvPr id="1" name=""/>
+        <p:cNvGrpSpPr/>
+        <p:nvPr/>
+      </p:nvGrpSpPr>
+      <p:grpSpPr>
+        <a:xfrm>
+          <a:off x="0" y="0"/>
+          <a:ext cx="0" cy="0"/>
+          <a:chOff x="0" y="0"/>
+          <a:chExt cx="0" cy="0"/>
+        </a:xfrm>
+      </p:grpSpPr>
+      <p:sp>
+        <p:nvSpPr>
+          <p:cNvPr id="2" name="Title 1"/>
+          <p:cNvSpPr>
+            <a:spLocks noGrp="1"/>
+          </p:cNvSpPr>
+          <p:nvPr>
+            <p:ph type="title"/>
+          </p:nvPr>
+        </p:nvSpPr>
+        <p:spPr/>
+        <p:txBody>
+          <a:bodyPr/>
+          <a:lstStyle/>
+          <a:p>
+            <a:r>
+              <a:rPr lang="pt-BR" dirty="0" smtClean="0"/>
+              <a:t>Matriz de Adjacência</a:t>
+            </a:r>
+            <a:endParaRPr lang="en-US" dirty="0"/>
+          </a:p>
+        </p:txBody>
+      </p:sp>
+      <p:sp>
+        <p:nvSpPr>
+          <p:cNvPr id="3" name="Content Placeholder 2"/>
+          <p:cNvSpPr>
+            <a:spLocks noGrp="1"/>
+          </p:cNvSpPr>
+          <p:nvPr>
+            <p:ph sz="quarter" idx="1"/>
+          </p:nvPr>
+        </p:nvSpPr>
+        <p:spPr/>
+        <p:txBody>
+          <a:bodyPr/>
+          <a:lstStyle/>
+          <a:p>
+            <a:r>
+              <a:rPr lang="pt-BR" dirty="0" smtClean="0"/>
+              <a:t>Auto-valores simétricos em grafos bipartidos</a:t>
+            </a:r>
+            <a:endParaRPr lang="en-US" dirty="0"/>
+          </a:p>
+        </p:txBody>
+      </p:sp>
+      <p:pic>
+        <p:nvPicPr>
+          <p:cNvPr id="1027" name="Picture 3"/>
+          <p:cNvPicPr>
+            <a:picLocks noChangeAspect="1" noChangeArrowheads="1"/>
+          </p:cNvPicPr>
+          <p:nvPr/>
+        </p:nvPicPr>
+        <p:blipFill>
+          <a:blip r:embed="rId2" cstate="print"/>
+          <a:srcRect/>
+          <a:stretch>
+            <a:fillRect/>
+          </a:stretch>
+        </p:blipFill>
+        <p:spPr bwMode="auto">
+          <a:xfrm>
+            <a:off x="1371600" y="5257800"/>
+            <a:ext cx="6038850" cy="314325"/>
+          </a:xfrm>
+          <a:prstGeom prst="rect">
+            <a:avLst/>
+          </a:prstGeom>
+          <a:noFill/>
+          <a:ln w="9525">
+            <a:noFill/>
+            <a:miter lim="800000"/>
+            <a:headEnd/>
+            <a:tailEnd/>
+          </a:ln>
+        </p:spPr>
+      </p:pic>
+    </p:spTree>
+  </p:cSld>
+  <p:clrMapOvr>
+    <a:masterClrMapping/>
+  </p:clrMapOvr>
+</p:sld>
+</file>
+
 <file path=ppt/slides/slide2.xml><?xml version="1.0" encoding="utf-8"?>
 <p:sld xmlns:a="http://schemas.openxmlformats.org/drawingml/2006/main" xmlns:r="http://schemas.openxmlformats.org/officeDocument/2006/relationships" xmlns:p="http://schemas.openxmlformats.org/presentationml/2006/main">
   <p:cSld>
@@ -4165,35 +4271,37 @@
           <a:p>
             <a:r>
               <a:rPr lang="pt-BR" dirty="0" smtClean="0"/>
-              <a:t>Matriz de Adjacências</a:t>
+              <a:t>Grafo</a:t>
             </a:r>
             <a:endParaRPr lang="en-US" dirty="0"/>
           </a:p>
         </p:txBody>
       </p:sp>
-      <p:pic>
-        <p:nvPicPr>
-          <p:cNvPr id="4" name="Content Placeholder 3" descr="AdjacencyMatrix_1001.gif"/>
-          <p:cNvPicPr>
-            <a:picLocks noGrp="1" noChangeAspect="1"/>
-          </p:cNvPicPr>
+      <p:sp>
+        <p:nvSpPr>
+          <p:cNvPr id="3" name="Content Placeholder 2"/>
+          <p:cNvSpPr>
+            <a:spLocks noGrp="1"/>
+          </p:cNvSpPr>
           <p:nvPr>
             <p:ph sz="quarter" idx="1"/>
           </p:nvPr>
-        </p:nvPicPr>
-        <p:blipFill>
-          <a:blip r:embed="rId2" cstate="print"/>
-          <a:stretch>
-            <a:fillRect/>
-          </a:stretch>
-        </p:blipFill>
-        <p:spPr>
-          <a:xfrm>
-            <a:off x="834593" y="1524000"/>
-            <a:ext cx="7765473" cy="4495800"/>
-          </a:xfrm>
-        </p:spPr>
-      </p:pic>
+        </p:nvSpPr>
+        <p:spPr/>
+        <p:txBody>
+          <a:bodyPr>
+            <a:normAutofit/>
+          </a:bodyPr>
+          <a:lstStyle/>
+          <a:p>
+            <a:r>
+              <a:rPr lang="pt-BR" sz="9600" dirty="0" smtClean="0"/>
+              <a:t>G=(V,E)</a:t>
+            </a:r>
+            <a:endParaRPr lang="en-US" sz="9600" dirty="0"/>
+          </a:p>
+        </p:txBody>
+      </p:sp>
     </p:spTree>
   </p:cSld>
   <p:clrMapOvr>
@@ -4234,7 +4342,82 @@
           <a:bodyPr/>
           <a:lstStyle/>
           <a:p>
-            <a:endParaRPr lang="en-US"/>
+            <a:r>
+              <a:rPr lang="pt-BR" dirty="0" smtClean="0"/>
+              <a:t>Matriz de Adjacência</a:t>
+            </a:r>
+            <a:endParaRPr lang="en-US" dirty="0"/>
+          </a:p>
+        </p:txBody>
+      </p:sp>
+      <p:pic>
+        <p:nvPicPr>
+          <p:cNvPr id="4" name="Content Placeholder 3" descr="AdjacencyMatrix_1001.gif"/>
+          <p:cNvPicPr>
+            <a:picLocks noGrp="1" noChangeAspect="1"/>
+          </p:cNvPicPr>
+          <p:nvPr>
+            <p:ph sz="quarter" idx="1"/>
+          </p:nvPr>
+        </p:nvPicPr>
+        <p:blipFill>
+          <a:blip r:embed="rId2" cstate="print"/>
+          <a:stretch>
+            <a:fillRect/>
+          </a:stretch>
+        </p:blipFill>
+        <p:spPr>
+          <a:xfrm>
+            <a:off x="834593" y="1524000"/>
+            <a:ext cx="7765473" cy="4495800"/>
+          </a:xfrm>
+        </p:spPr>
+      </p:pic>
+    </p:spTree>
+  </p:cSld>
+  <p:clrMapOvr>
+    <a:masterClrMapping/>
+  </p:clrMapOvr>
+</p:sld>
+</file>
+
+<file path=ppt/slides/slide8.xml><?xml version="1.0" encoding="utf-8"?>
+<p:sld xmlns:a="http://schemas.openxmlformats.org/drawingml/2006/main" xmlns:r="http://schemas.openxmlformats.org/officeDocument/2006/relationships" xmlns:p="http://schemas.openxmlformats.org/presentationml/2006/main">
+  <p:cSld>
+    <p:spTree>
+      <p:nvGrpSpPr>
+        <p:cNvPr id="1" name=""/>
+        <p:cNvGrpSpPr/>
+        <p:nvPr/>
+      </p:nvGrpSpPr>
+      <p:grpSpPr>
+        <a:xfrm>
+          <a:off x="0" y="0"/>
+          <a:ext cx="0" cy="0"/>
+          <a:chOff x="0" y="0"/>
+          <a:chExt cx="0" cy="0"/>
+        </a:xfrm>
+      </p:grpSpPr>
+      <p:sp>
+        <p:nvSpPr>
+          <p:cNvPr id="2" name="Title 1"/>
+          <p:cNvSpPr>
+            <a:spLocks noGrp="1"/>
+          </p:cNvSpPr>
+          <p:nvPr>
+            <p:ph type="title"/>
+          </p:nvPr>
+        </p:nvSpPr>
+        <p:spPr/>
+        <p:txBody>
+          <a:bodyPr/>
+          <a:lstStyle/>
+          <a:p>
+            <a:r>
+              <a:rPr lang="pt-BR" dirty="0" smtClean="0"/>
+              <a:t>Matriz de Adjacência</a:t>
+            </a:r>
+            <a:endParaRPr lang="en-US" dirty="0"/>
           </a:p>
         </p:txBody>
       </p:sp>
@@ -4253,7 +4436,156 @@
           <a:bodyPr/>
           <a:lstStyle/>
           <a:p>
-            <a:endParaRPr lang="en-US"/>
+            <a:r>
+              <a:rPr lang="pt-BR" dirty="0" smtClean="0"/>
+              <a:t>Simétrica</a:t>
+            </a:r>
+          </a:p>
+          <a:p>
+            <a:pPr lvl="1"/>
+            <a:r>
+              <a:rPr lang="pt-BR" dirty="0" smtClean="0"/>
+              <a:t>Possui conjunto completo de autovalores reais</a:t>
+            </a:r>
+          </a:p>
+          <a:p>
+            <a:r>
+              <a:rPr lang="pt-BR" dirty="0" smtClean="0"/>
+              <a:t>Diagonal principal = 0</a:t>
+            </a:r>
+          </a:p>
+          <a:p>
+            <a:pPr lvl="1"/>
+            <a:r>
+              <a:rPr lang="pt-BR" dirty="0" smtClean="0"/>
+              <a:t>Autovalores somam 0</a:t>
+            </a:r>
+          </a:p>
+          <a:p>
+            <a:endParaRPr lang="en-US" dirty="0"/>
+          </a:p>
+        </p:txBody>
+      </p:sp>
+      <p:pic>
+        <p:nvPicPr>
+          <p:cNvPr id="4" name="Picture 3" descr="2_matrix_all_symbols_1.png"/>
+          <p:cNvPicPr>
+            <a:picLocks noChangeAspect="1"/>
+          </p:cNvPicPr>
+          <p:nvPr/>
+        </p:nvPicPr>
+        <p:blipFill>
+          <a:blip r:embed="rId2" cstate="print"/>
+          <a:stretch>
+            <a:fillRect/>
+          </a:stretch>
+        </p:blipFill>
+        <p:spPr>
+          <a:xfrm>
+            <a:off x="2895600" y="3200400"/>
+            <a:ext cx="3352800" cy="3029469"/>
+          </a:xfrm>
+          <a:prstGeom prst="rect">
+            <a:avLst/>
+          </a:prstGeom>
+        </p:spPr>
+      </p:pic>
+    </p:spTree>
+  </p:cSld>
+  <p:clrMapOvr>
+    <a:masterClrMapping/>
+  </p:clrMapOvr>
+</p:sld>
+</file>
+
+<file path=ppt/slides/slide9.xml><?xml version="1.0" encoding="utf-8"?>
+<p:sld xmlns:a="http://schemas.openxmlformats.org/drawingml/2006/main" xmlns:r="http://schemas.openxmlformats.org/officeDocument/2006/relationships" xmlns:p="http://schemas.openxmlformats.org/presentationml/2006/main">
+  <p:cSld>
+    <p:spTree>
+      <p:nvGrpSpPr>
+        <p:cNvPr id="1" name=""/>
+        <p:cNvGrpSpPr/>
+        <p:nvPr/>
+      </p:nvGrpSpPr>
+      <p:grpSpPr>
+        <a:xfrm>
+          <a:off x="0" y="0"/>
+          <a:ext cx="0" cy="0"/>
+          <a:chOff x="0" y="0"/>
+          <a:chExt cx="0" cy="0"/>
+        </a:xfrm>
+      </p:grpSpPr>
+      <p:sp>
+        <p:nvSpPr>
+          <p:cNvPr id="2" name="Title 1"/>
+          <p:cNvSpPr>
+            <a:spLocks noGrp="1"/>
+          </p:cNvSpPr>
+          <p:nvPr>
+            <p:ph type="title"/>
+          </p:nvPr>
+        </p:nvSpPr>
+        <p:spPr/>
+        <p:txBody>
+          <a:bodyPr/>
+          <a:lstStyle/>
+          <a:p>
+            <a:r>
+              <a:rPr lang="pt-BR" dirty="0" smtClean="0"/>
+              <a:t>Matriz de Adjacência</a:t>
+            </a:r>
+            <a:endParaRPr lang="en-US" dirty="0"/>
+          </a:p>
+        </p:txBody>
+      </p:sp>
+      <p:sp>
+        <p:nvSpPr>
+          <p:cNvPr id="3" name="Content Placeholder 2"/>
+          <p:cNvSpPr>
+            <a:spLocks noGrp="1"/>
+          </p:cNvSpPr>
+          <p:nvPr>
+            <p:ph sz="quarter" idx="1"/>
+          </p:nvPr>
+        </p:nvSpPr>
+        <p:spPr/>
+        <p:txBody>
+          <a:bodyPr/>
+          <a:lstStyle/>
+          <a:p>
+            <a:r>
+              <a:rPr lang="pt-BR" dirty="0" smtClean="0"/>
+              <a:t>A</a:t>
+            </a:r>
+            <a:r>
+              <a:rPr lang="pt-BR" sz="2400" baseline="30000" dirty="0" smtClean="0"/>
+              <a:t>k</a:t>
+            </a:r>
+            <a:r>
+              <a:rPr lang="pt-BR" sz="2400" dirty="0" smtClean="0"/>
+              <a:t> é o número de passeios de tamanho k no grafo</a:t>
+            </a:r>
+          </a:p>
+          <a:p>
+            <a:r>
+              <a:rPr lang="pt-BR" sz="2400" dirty="0" smtClean="0"/>
+              <a:t>A</a:t>
+            </a:r>
+            <a:r>
+              <a:rPr lang="pt-BR" sz="2400" baseline="30000" dirty="0" smtClean="0"/>
+              <a:t>3</a:t>
+            </a:r>
+            <a:r>
+              <a:rPr lang="pt-BR" sz="2400" dirty="0" smtClean="0"/>
+              <a:t> é o número de triângulos do grafo</a:t>
+            </a:r>
+          </a:p>
+          <a:p>
+            <a:r>
+              <a:rPr lang="pt-BR" sz="2400" dirty="0" smtClean="0"/>
+              <a:t>Teorema Espectral ftw.</a:t>
+            </a:r>
+            <a:endParaRPr lang="en-US" dirty="0"/>
           </a:p>
         </p:txBody>
       </p:sp>

--- a/doc/Apresentacao.pptx
+++ b/doc/Apresentacao.pptx
@@ -14,7 +14,14 @@
     <p:sldId id="261" r:id="rId8"/>
     <p:sldId id="262" r:id="rId9"/>
     <p:sldId id="264" r:id="rId10"/>
-    <p:sldId id="265" r:id="rId11"/>
+    <p:sldId id="272" r:id="rId11"/>
+    <p:sldId id="265" r:id="rId12"/>
+    <p:sldId id="266" r:id="rId13"/>
+    <p:sldId id="267" r:id="rId14"/>
+    <p:sldId id="268" r:id="rId15"/>
+    <p:sldId id="269" r:id="rId16"/>
+    <p:sldId id="270" r:id="rId17"/>
+    <p:sldId id="271" r:id="rId18"/>
   </p:sldIdLst>
   <p:sldSz cx="9144000" cy="6858000" type="screen4x3"/>
   <p:notesSz cx="6858000" cy="9144000"/>
@@ -259,6 +266,7 @@
           <a:p>
             <a:fld id="{4AE002B1-C43F-4CB2-B631-F086D5EBA35B}" type="datetimeFigureOut">
               <a:rPr lang="en-US" smtClean="0"/>
+              <a:pPr/>
               <a:t>5/26/2010</a:t>
             </a:fld>
             <a:endParaRPr lang="en-US"/>
@@ -311,6 +319,7 @@
           <a:p>
             <a:fld id="{4AB4DCC1-EBD4-4545-A7DB-DE7475EDCE1E}" type="slidenum">
               <a:rPr lang="en-US" smtClean="0"/>
+              <a:pPr/>
               <a:t>‹#›</a:t>
             </a:fld>
             <a:endParaRPr lang="en-US"/>
@@ -618,6 +627,7 @@
           <a:p>
             <a:fld id="{4AE002B1-C43F-4CB2-B631-F086D5EBA35B}" type="datetimeFigureOut">
               <a:rPr lang="en-US" smtClean="0"/>
+              <a:pPr/>
               <a:t>5/26/2010</a:t>
             </a:fld>
             <a:endParaRPr lang="en-US"/>
@@ -660,6 +670,7 @@
           <a:p>
             <a:fld id="{4AB4DCC1-EBD4-4545-A7DB-DE7475EDCE1E}" type="slidenum">
               <a:rPr lang="en-US" smtClean="0"/>
+              <a:pPr/>
               <a:t>‹#›</a:t>
             </a:fld>
             <a:endParaRPr lang="en-US"/>
@@ -793,6 +804,7 @@
           <a:p>
             <a:fld id="{4AE002B1-C43F-4CB2-B631-F086D5EBA35B}" type="datetimeFigureOut">
               <a:rPr lang="en-US" smtClean="0"/>
+              <a:pPr/>
               <a:t>5/26/2010</a:t>
             </a:fld>
             <a:endParaRPr lang="en-US"/>
@@ -835,6 +847,7 @@
           <a:p>
             <a:fld id="{4AB4DCC1-EBD4-4545-A7DB-DE7475EDCE1E}" type="slidenum">
               <a:rPr lang="en-US" smtClean="0"/>
+              <a:pPr/>
               <a:t>‹#›</a:t>
             </a:fld>
             <a:endParaRPr lang="en-US"/>
@@ -1028,6 +1041,7 @@
           <a:p>
             <a:fld id="{4AE002B1-C43F-4CB2-B631-F086D5EBA35B}" type="datetimeFigureOut">
               <a:rPr lang="en-US" smtClean="0"/>
+              <a:pPr/>
               <a:t>5/26/2010</a:t>
             </a:fld>
             <a:endParaRPr lang="en-US"/>
@@ -1070,6 +1084,7 @@
           <a:p>
             <a:fld id="{4AB4DCC1-EBD4-4545-A7DB-DE7475EDCE1E}" type="slidenum">
               <a:rPr lang="en-US" smtClean="0"/>
+              <a:pPr/>
               <a:t>‹#›</a:t>
             </a:fld>
             <a:endParaRPr lang="en-US"/>
@@ -1297,6 +1312,7 @@
           <a:p>
             <a:fld id="{4AE002B1-C43F-4CB2-B631-F086D5EBA35B}" type="datetimeFigureOut">
               <a:rPr lang="en-US" smtClean="0"/>
+              <a:pPr/>
               <a:t>5/26/2010</a:t>
             </a:fld>
             <a:endParaRPr lang="en-US"/>
@@ -1349,6 +1365,7 @@
           <a:p>
             <a:fld id="{4AB4DCC1-EBD4-4545-A7DB-DE7475EDCE1E}" type="slidenum">
               <a:rPr lang="en-US" smtClean="0"/>
+              <a:pPr/>
               <a:t>‹#›</a:t>
             </a:fld>
             <a:endParaRPr lang="en-US"/>
@@ -1517,6 +1534,7 @@
           <a:p>
             <a:fld id="{4AE002B1-C43F-4CB2-B631-F086D5EBA35B}" type="datetimeFigureOut">
               <a:rPr lang="en-US" smtClean="0"/>
+              <a:pPr/>
               <a:t>5/26/2010</a:t>
             </a:fld>
             <a:endParaRPr lang="en-US"/>
@@ -1559,6 +1577,7 @@
           <a:p>
             <a:fld id="{4AB4DCC1-EBD4-4545-A7DB-DE7475EDCE1E}" type="slidenum">
               <a:rPr lang="en-US" smtClean="0"/>
+              <a:pPr/>
               <a:t>‹#›</a:t>
             </a:fld>
             <a:endParaRPr lang="en-US"/>
@@ -1869,6 +1888,7 @@
           <a:p>
             <a:fld id="{4AE002B1-C43F-4CB2-B631-F086D5EBA35B}" type="datetimeFigureOut">
               <a:rPr lang="en-US" smtClean="0"/>
+              <a:pPr/>
               <a:t>5/26/2010</a:t>
             </a:fld>
             <a:endParaRPr lang="en-US"/>
@@ -1911,6 +1931,7 @@
           <a:p>
             <a:fld id="{4AB4DCC1-EBD4-4545-A7DB-DE7475EDCE1E}" type="slidenum">
               <a:rPr lang="en-US" smtClean="0"/>
+              <a:pPr/>
               <a:t>‹#›</a:t>
             </a:fld>
             <a:endParaRPr lang="en-US"/>
@@ -2101,6 +2122,7 @@
           <a:p>
             <a:fld id="{4AE002B1-C43F-4CB2-B631-F086D5EBA35B}" type="datetimeFigureOut">
               <a:rPr lang="en-US" smtClean="0"/>
+              <a:pPr/>
               <a:t>5/26/2010</a:t>
             </a:fld>
             <a:endParaRPr lang="en-US"/>
@@ -2143,6 +2165,7 @@
           <a:p>
             <a:fld id="{4AB4DCC1-EBD4-4545-A7DB-DE7475EDCE1E}" type="slidenum">
               <a:rPr lang="en-US" smtClean="0"/>
+              <a:pPr/>
               <a:t>‹#›</a:t>
             </a:fld>
             <a:endParaRPr lang="en-US"/>
@@ -2241,6 +2264,7 @@
           <a:p>
             <a:fld id="{4AE002B1-C43F-4CB2-B631-F086D5EBA35B}" type="datetimeFigureOut">
               <a:rPr lang="en-US" smtClean="0"/>
+              <a:pPr/>
               <a:t>5/26/2010</a:t>
             </a:fld>
             <a:endParaRPr lang="en-US"/>
@@ -2283,6 +2307,7 @@
           <a:p>
             <a:fld id="{4AB4DCC1-EBD4-4545-A7DB-DE7475EDCE1E}" type="slidenum">
               <a:rPr lang="en-US" smtClean="0"/>
+              <a:pPr/>
               <a:t>‹#›</a:t>
             </a:fld>
             <a:endParaRPr lang="en-US"/>
@@ -2518,6 +2543,7 @@
           <a:p>
             <a:fld id="{4AE002B1-C43F-4CB2-B631-F086D5EBA35B}" type="datetimeFigureOut">
               <a:rPr lang="en-US" smtClean="0"/>
+              <a:pPr/>
               <a:t>5/26/2010</a:t>
             </a:fld>
             <a:endParaRPr lang="en-US"/>
@@ -2560,6 +2586,7 @@
           <a:p>
             <a:fld id="{4AB4DCC1-EBD4-4545-A7DB-DE7475EDCE1E}" type="slidenum">
               <a:rPr lang="en-US" smtClean="0"/>
+              <a:pPr/>
               <a:t>‹#›</a:t>
             </a:fld>
             <a:endParaRPr lang="en-US"/>
@@ -2925,6 +2952,7 @@
           <a:p>
             <a:fld id="{4AE002B1-C43F-4CB2-B631-F086D5EBA35B}" type="datetimeFigureOut">
               <a:rPr lang="en-US" smtClean="0"/>
+              <a:pPr/>
               <a:t>5/26/2010</a:t>
             </a:fld>
             <a:endParaRPr lang="en-US"/>
@@ -2967,6 +2995,7 @@
           <a:p>
             <a:fld id="{4AB4DCC1-EBD4-4545-A7DB-DE7475EDCE1E}" type="slidenum">
               <a:rPr lang="en-US" smtClean="0"/>
+              <a:pPr/>
               <a:t>‹#›</a:t>
             </a:fld>
             <a:endParaRPr lang="en-US"/>
@@ -3263,6 +3292,7 @@
           <a:p>
             <a:fld id="{4AE002B1-C43F-4CB2-B631-F086D5EBA35B}" type="datetimeFigureOut">
               <a:rPr lang="en-US" smtClean="0"/>
+              <a:pPr/>
               <a:t>5/26/2010</a:t>
             </a:fld>
             <a:endParaRPr lang="en-US"/>
@@ -3337,6 +3367,7 @@
           <a:p>
             <a:fld id="{4AB4DCC1-EBD4-4545-A7DB-DE7475EDCE1E}" type="slidenum">
               <a:rPr lang="en-US" smtClean="0"/>
+              <a:pPr/>
               <a:t>‹#›</a:t>
             </a:fld>
             <a:endParaRPr lang="en-US"/>
@@ -3813,7 +3844,15 @@
           <a:p>
             <a:r>
               <a:rPr lang="pt-BR" dirty="0" smtClean="0"/>
-              <a:t>Uma análise das matrizes associadas a um grafo não-dirigido</a:t>
+              <a:t>Um Estudo das Matrizes Associadas </a:t>
+            </a:r>
+            <a:r>
+              <a:rPr lang="pt-BR" dirty="0" smtClean="0"/>
+              <a:t>a </a:t>
+            </a:r>
+            <a:r>
+              <a:rPr lang="pt-BR" dirty="0" smtClean="0"/>
+              <a:t>Grafos Não-direcionados</a:t>
             </a:r>
             <a:endParaRPr lang="en-US" dirty="0"/>
           </a:p>
@@ -3836,17 +3875,56 @@
           <a:p>
             <a:r>
               <a:rPr lang="pt-BR" dirty="0" smtClean="0"/>
-              <a:t>Juan Lopes, 2010</a:t>
+              <a:t>Juan </a:t>
+            </a:r>
+            <a:r>
+              <a:rPr lang="pt-BR" dirty="0" smtClean="0"/>
+              <a:t>Lopes, PPGI, </a:t>
+            </a:r>
+            <a:r>
+              <a:rPr lang="pt-BR" dirty="0" smtClean="0"/>
+              <a:t>2010</a:t>
             </a:r>
             <a:endParaRPr lang="en-US" dirty="0"/>
           </a:p>
         </p:txBody>
       </p:sp>
+      <p:pic>
+        <p:nvPicPr>
+          <p:cNvPr id="4" name="Picture 3" descr="kaliningrad.png"/>
+          <p:cNvPicPr>
+            <a:picLocks noChangeAspect="1"/>
+          </p:cNvPicPr>
+          <p:nvPr/>
+        </p:nvPicPr>
+        <p:blipFill>
+          <a:blip r:embed="rId2" cstate="print"/>
+          <a:stretch>
+            <a:fillRect/>
+          </a:stretch>
+        </p:blipFill>
+        <p:spPr>
+          <a:xfrm>
+            <a:off x="4724399" y="381001"/>
+            <a:ext cx="3590925" cy="2882603"/>
+          </a:xfrm>
+          <a:prstGeom prst="rect">
+            <a:avLst/>
+          </a:prstGeom>
+        </p:spPr>
+      </p:pic>
     </p:spTree>
   </p:cSld>
   <p:clrMapOvr>
     <a:masterClrMapping/>
   </p:clrMapOvr>
+  <p:timing>
+    <p:tnLst>
+      <p:par>
+        <p:cTn id="1" dur="indefinite" restart="never" nodeType="tmRoot"/>
+      </p:par>
+    </p:tnLst>
+  </p:timing>
 </p:sld>
 </file>
 
@@ -3884,6 +3962,77 @@
           <a:p>
             <a:r>
               <a:rPr lang="pt-BR" dirty="0" smtClean="0"/>
+              <a:t>[Off Topic] Nauru?</a:t>
+            </a:r>
+            <a:endParaRPr lang="en-US" dirty="0"/>
+          </a:p>
+        </p:txBody>
+      </p:sp>
+      <p:pic>
+        <p:nvPicPr>
+          <p:cNvPr id="4" name="Content Placeholder 3" descr="NauruGraphEmbeddings_1000.gif"/>
+          <p:cNvPicPr>
+            <a:picLocks noGrp="1" noChangeAspect="1"/>
+          </p:cNvPicPr>
+          <p:nvPr>
+            <p:ph sz="quarter" idx="1"/>
+          </p:nvPr>
+        </p:nvPicPr>
+        <p:blipFill>
+          <a:blip r:embed="rId2" cstate="print"/>
+          <a:stretch>
+            <a:fillRect/>
+          </a:stretch>
+        </p:blipFill>
+        <p:spPr>
+          <a:xfrm>
+            <a:off x="2157412" y="1273175"/>
+            <a:ext cx="4829175" cy="4829175"/>
+          </a:xfrm>
+        </p:spPr>
+      </p:pic>
+    </p:spTree>
+  </p:cSld>
+  <p:clrMapOvr>
+    <a:masterClrMapping/>
+  </p:clrMapOvr>
+</p:sld>
+</file>
+
+<file path=ppt/slides/slide11.xml><?xml version="1.0" encoding="utf-8"?>
+<p:sld xmlns:a="http://schemas.openxmlformats.org/drawingml/2006/main" xmlns:r="http://schemas.openxmlformats.org/officeDocument/2006/relationships" xmlns:p="http://schemas.openxmlformats.org/presentationml/2006/main">
+  <p:cSld>
+    <p:spTree>
+      <p:nvGrpSpPr>
+        <p:cNvPr id="1" name=""/>
+        <p:cNvGrpSpPr/>
+        <p:nvPr/>
+      </p:nvGrpSpPr>
+      <p:grpSpPr>
+        <a:xfrm>
+          <a:off x="0" y="0"/>
+          <a:ext cx="0" cy="0"/>
+          <a:chOff x="0" y="0"/>
+          <a:chExt cx="0" cy="0"/>
+        </a:xfrm>
+      </p:grpSpPr>
+      <p:sp>
+        <p:nvSpPr>
+          <p:cNvPr id="2" name="Title 1"/>
+          <p:cNvSpPr>
+            <a:spLocks noGrp="1"/>
+          </p:cNvSpPr>
+          <p:nvPr>
+            <p:ph type="title"/>
+          </p:nvPr>
+        </p:nvSpPr>
+        <p:spPr/>
+        <p:txBody>
+          <a:bodyPr/>
+          <a:lstStyle/>
+          <a:p>
+            <a:r>
+              <a:rPr lang="pt-BR" dirty="0" smtClean="0"/>
               <a:t>Matriz de Adjacência</a:t>
             </a:r>
             <a:endParaRPr lang="en-US" dirty="0"/>
@@ -3945,6 +4094,737 @@
           </a:ln>
         </p:spPr>
       </p:pic>
+      <p:pic>
+        <p:nvPicPr>
+          <p:cNvPr id="1026" name="Picture 2"/>
+          <p:cNvPicPr>
+            <a:picLocks noChangeAspect="1" noChangeArrowheads="1"/>
+          </p:cNvPicPr>
+          <p:nvPr/>
+        </p:nvPicPr>
+        <p:blipFill>
+          <a:blip r:embed="rId3" cstate="print"/>
+          <a:srcRect/>
+          <a:stretch>
+            <a:fillRect/>
+          </a:stretch>
+        </p:blipFill>
+        <p:spPr bwMode="auto">
+          <a:xfrm>
+            <a:off x="1371600" y="1905000"/>
+            <a:ext cx="2924175" cy="3362325"/>
+          </a:xfrm>
+          <a:prstGeom prst="rect">
+            <a:avLst/>
+          </a:prstGeom>
+          <a:noFill/>
+          <a:ln w="9525">
+            <a:noFill/>
+            <a:miter lim="800000"/>
+            <a:headEnd/>
+            <a:tailEnd/>
+          </a:ln>
+        </p:spPr>
+      </p:pic>
+      <p:pic>
+        <p:nvPicPr>
+          <p:cNvPr id="4" name="Picture 3"/>
+          <p:cNvPicPr>
+            <a:picLocks noChangeAspect="1" noChangeArrowheads="1"/>
+          </p:cNvPicPr>
+          <p:nvPr/>
+        </p:nvPicPr>
+        <p:blipFill>
+          <a:blip r:embed="rId4" cstate="print"/>
+          <a:srcRect/>
+          <a:stretch>
+            <a:fillRect/>
+          </a:stretch>
+        </p:blipFill>
+        <p:spPr bwMode="auto">
+          <a:xfrm>
+            <a:off x="4648200" y="1905000"/>
+            <a:ext cx="2609850" cy="3276600"/>
+          </a:xfrm>
+          <a:prstGeom prst="rect">
+            <a:avLst/>
+          </a:prstGeom>
+          <a:noFill/>
+          <a:ln w="9525">
+            <a:noFill/>
+            <a:miter lim="800000"/>
+            <a:headEnd/>
+            <a:tailEnd/>
+          </a:ln>
+        </p:spPr>
+      </p:pic>
+    </p:spTree>
+  </p:cSld>
+  <p:clrMapOvr>
+    <a:masterClrMapping/>
+  </p:clrMapOvr>
+  <p:timing>
+    <p:tnLst>
+      <p:par>
+        <p:cTn id="1" dur="indefinite" restart="never" nodeType="tmRoot"/>
+      </p:par>
+    </p:tnLst>
+  </p:timing>
+</p:sld>
+</file>
+
+<file path=ppt/slides/slide12.xml><?xml version="1.0" encoding="utf-8"?>
+<p:sld xmlns:a="http://schemas.openxmlformats.org/drawingml/2006/main" xmlns:r="http://schemas.openxmlformats.org/officeDocument/2006/relationships" xmlns:p="http://schemas.openxmlformats.org/presentationml/2006/main">
+  <p:cSld>
+    <p:spTree>
+      <p:nvGrpSpPr>
+        <p:cNvPr id="1" name=""/>
+        <p:cNvGrpSpPr/>
+        <p:nvPr/>
+      </p:nvGrpSpPr>
+      <p:grpSpPr>
+        <a:xfrm>
+          <a:off x="0" y="0"/>
+          <a:ext cx="0" cy="0"/>
+          <a:chOff x="0" y="0"/>
+          <a:chExt cx="0" cy="0"/>
+        </a:xfrm>
+      </p:grpSpPr>
+      <p:sp>
+        <p:nvSpPr>
+          <p:cNvPr id="2" name="Title 1"/>
+          <p:cNvSpPr>
+            <a:spLocks noGrp="1"/>
+          </p:cNvSpPr>
+          <p:nvPr>
+            <p:ph type="title"/>
+          </p:nvPr>
+        </p:nvSpPr>
+        <p:spPr/>
+        <p:txBody>
+          <a:bodyPr/>
+          <a:lstStyle/>
+          <a:p>
+            <a:r>
+              <a:rPr lang="pt-BR" dirty="0" smtClean="0"/>
+              <a:t>Matriz Laplaciana</a:t>
+            </a:r>
+            <a:endParaRPr lang="en-US" dirty="0"/>
+          </a:p>
+        </p:txBody>
+      </p:sp>
+      <p:sp>
+        <p:nvSpPr>
+          <p:cNvPr id="3" name="Content Placeholder 2"/>
+          <p:cNvSpPr>
+            <a:spLocks noGrp="1"/>
+          </p:cNvSpPr>
+          <p:nvPr>
+            <p:ph sz="quarter" idx="1"/>
+          </p:nvPr>
+        </p:nvSpPr>
+        <p:spPr/>
+        <p:txBody>
+          <a:bodyPr/>
+          <a:lstStyle/>
+          <a:p>
+            <a:r>
+              <a:rPr lang="pt-BR" dirty="0" smtClean="0"/>
+              <a:t>L = D – A</a:t>
+            </a:r>
+          </a:p>
+          <a:p>
+            <a:r>
+              <a:rPr lang="pt-BR" dirty="0" smtClean="0"/>
+              <a:t>Laplaciano discreto</a:t>
+            </a:r>
+          </a:p>
+          <a:p>
+            <a:endParaRPr lang="pt-BR" dirty="0" smtClean="0"/>
+          </a:p>
+          <a:p>
+            <a:pPr>
+              <a:buNone/>
+            </a:pPr>
+            <a:endParaRPr lang="en-US" dirty="0"/>
+          </a:p>
+        </p:txBody>
+      </p:sp>
+      <p:pic>
+        <p:nvPicPr>
+          <p:cNvPr id="4" name="Picture 3" descr="delsqdemo_03.png"/>
+          <p:cNvPicPr>
+            <a:picLocks noChangeAspect="1"/>
+          </p:cNvPicPr>
+          <p:nvPr/>
+        </p:nvPicPr>
+        <p:blipFill>
+          <a:blip r:embed="rId2" cstate="print"/>
+          <a:stretch>
+            <a:fillRect/>
+          </a:stretch>
+        </p:blipFill>
+        <p:spPr>
+          <a:xfrm>
+            <a:off x="1828800" y="2362200"/>
+            <a:ext cx="5334000" cy="4000500"/>
+          </a:xfrm>
+          <a:prstGeom prst="rect">
+            <a:avLst/>
+          </a:prstGeom>
+        </p:spPr>
+      </p:pic>
+    </p:spTree>
+  </p:cSld>
+  <p:clrMapOvr>
+    <a:masterClrMapping/>
+  </p:clrMapOvr>
+  <p:timing>
+    <p:tnLst>
+      <p:par>
+        <p:cTn id="1" dur="indefinite" restart="never" nodeType="tmRoot"/>
+      </p:par>
+    </p:tnLst>
+  </p:timing>
+</p:sld>
+</file>
+
+<file path=ppt/slides/slide13.xml><?xml version="1.0" encoding="utf-8"?>
+<p:sld xmlns:a="http://schemas.openxmlformats.org/drawingml/2006/main" xmlns:r="http://schemas.openxmlformats.org/officeDocument/2006/relationships" xmlns:p="http://schemas.openxmlformats.org/presentationml/2006/main">
+  <p:cSld>
+    <p:spTree>
+      <p:nvGrpSpPr>
+        <p:cNvPr id="1" name=""/>
+        <p:cNvGrpSpPr/>
+        <p:nvPr/>
+      </p:nvGrpSpPr>
+      <p:grpSpPr>
+        <a:xfrm>
+          <a:off x="0" y="0"/>
+          <a:ext cx="0" cy="0"/>
+          <a:chOff x="0" y="0"/>
+          <a:chExt cx="0" cy="0"/>
+        </a:xfrm>
+      </p:grpSpPr>
+      <p:sp>
+        <p:nvSpPr>
+          <p:cNvPr id="2" name="Title 1"/>
+          <p:cNvSpPr>
+            <a:spLocks noGrp="1"/>
+          </p:cNvSpPr>
+          <p:nvPr>
+            <p:ph type="title"/>
+          </p:nvPr>
+        </p:nvSpPr>
+        <p:spPr/>
+        <p:txBody>
+          <a:bodyPr/>
+          <a:lstStyle/>
+          <a:p>
+            <a:r>
+              <a:rPr lang="pt-BR" dirty="0" smtClean="0"/>
+              <a:t>Matriz Laplaciana</a:t>
+            </a:r>
+            <a:endParaRPr lang="en-US" dirty="0"/>
+          </a:p>
+        </p:txBody>
+      </p:sp>
+      <p:sp>
+        <p:nvSpPr>
+          <p:cNvPr id="3" name="Content Placeholder 2"/>
+          <p:cNvSpPr>
+            <a:spLocks noGrp="1"/>
+          </p:cNvSpPr>
+          <p:nvPr>
+            <p:ph sz="quarter" idx="1"/>
+          </p:nvPr>
+        </p:nvSpPr>
+        <p:spPr/>
+        <p:txBody>
+          <a:bodyPr/>
+          <a:lstStyle/>
+          <a:p>
+            <a:r>
+              <a:rPr lang="pt-BR" dirty="0" smtClean="0"/>
+              <a:t>Sempre possui o autovalor 0</a:t>
+            </a:r>
+          </a:p>
+          <a:p>
+            <a:pPr lvl="1"/>
+            <a:r>
+              <a:rPr lang="pt-BR" dirty="0" smtClean="0"/>
+              <a:t>Cujo autovetor é (1, 1, ... , 1)</a:t>
+            </a:r>
+          </a:p>
+          <a:p>
+            <a:r>
+              <a:rPr lang="pt-BR" dirty="0" smtClean="0"/>
+              <a:t>Número de componentes = multiplicidade do 0</a:t>
+            </a:r>
+            <a:endParaRPr lang="en-US" dirty="0"/>
+          </a:p>
+        </p:txBody>
+      </p:sp>
+      <p:pic>
+        <p:nvPicPr>
+          <p:cNvPr id="2051" name="Picture 3"/>
+          <p:cNvPicPr>
+            <a:picLocks noChangeAspect="1" noChangeArrowheads="1"/>
+          </p:cNvPicPr>
+          <p:nvPr/>
+        </p:nvPicPr>
+        <p:blipFill>
+          <a:blip r:embed="rId2" cstate="print"/>
+          <a:srcRect/>
+          <a:stretch>
+            <a:fillRect/>
+          </a:stretch>
+        </p:blipFill>
+        <p:spPr bwMode="auto">
+          <a:xfrm>
+            <a:off x="1219200" y="3124200"/>
+            <a:ext cx="2619375" cy="2943225"/>
+          </a:xfrm>
+          <a:prstGeom prst="rect">
+            <a:avLst/>
+          </a:prstGeom>
+          <a:noFill/>
+          <a:ln w="9525">
+            <a:noFill/>
+            <a:miter lim="800000"/>
+            <a:headEnd/>
+            <a:tailEnd/>
+          </a:ln>
+        </p:spPr>
+      </p:pic>
+      <p:pic>
+        <p:nvPicPr>
+          <p:cNvPr id="2052" name="Picture 4"/>
+          <p:cNvPicPr>
+            <a:picLocks noChangeAspect="1" noChangeArrowheads="1"/>
+          </p:cNvPicPr>
+          <p:nvPr/>
+        </p:nvPicPr>
+        <p:blipFill>
+          <a:blip r:embed="rId3" cstate="print"/>
+          <a:srcRect/>
+          <a:stretch>
+            <a:fillRect/>
+          </a:stretch>
+        </p:blipFill>
+        <p:spPr bwMode="auto">
+          <a:xfrm>
+            <a:off x="1905000" y="4267200"/>
+            <a:ext cx="5915025" cy="466725"/>
+          </a:xfrm>
+          <a:prstGeom prst="rect">
+            <a:avLst/>
+          </a:prstGeom>
+          <a:noFill/>
+          <a:ln w="9525">
+            <a:noFill/>
+            <a:miter lim="800000"/>
+            <a:headEnd/>
+            <a:tailEnd/>
+          </a:ln>
+        </p:spPr>
+      </p:pic>
+    </p:spTree>
+  </p:cSld>
+  <p:clrMapOvr>
+    <a:masterClrMapping/>
+  </p:clrMapOvr>
+  <p:timing>
+    <p:tnLst>
+      <p:par>
+        <p:cTn id="1" dur="indefinite" restart="never" nodeType="tmRoot"/>
+      </p:par>
+    </p:tnLst>
+  </p:timing>
+</p:sld>
+</file>
+
+<file path=ppt/slides/slide14.xml><?xml version="1.0" encoding="utf-8"?>
+<p:sld xmlns:a="http://schemas.openxmlformats.org/drawingml/2006/main" xmlns:r="http://schemas.openxmlformats.org/officeDocument/2006/relationships" xmlns:p="http://schemas.openxmlformats.org/presentationml/2006/main">
+  <p:cSld>
+    <p:spTree>
+      <p:nvGrpSpPr>
+        <p:cNvPr id="1" name=""/>
+        <p:cNvGrpSpPr/>
+        <p:nvPr/>
+      </p:nvGrpSpPr>
+      <p:grpSpPr>
+        <a:xfrm>
+          <a:off x="0" y="0"/>
+          <a:ext cx="0" cy="0"/>
+          <a:chOff x="0" y="0"/>
+          <a:chExt cx="0" cy="0"/>
+        </a:xfrm>
+      </p:grpSpPr>
+      <p:sp>
+        <p:nvSpPr>
+          <p:cNvPr id="2" name="Title 1"/>
+          <p:cNvSpPr>
+            <a:spLocks noGrp="1"/>
+          </p:cNvSpPr>
+          <p:nvPr>
+            <p:ph type="title"/>
+          </p:nvPr>
+        </p:nvSpPr>
+        <p:spPr/>
+        <p:txBody>
+          <a:bodyPr/>
+          <a:lstStyle/>
+          <a:p>
+            <a:r>
+              <a:rPr lang="pt-BR" dirty="0" smtClean="0"/>
+              <a:t>Matriz Laplaciana</a:t>
+            </a:r>
+            <a:endParaRPr lang="en-US" dirty="0"/>
+          </a:p>
+        </p:txBody>
+      </p:sp>
+      <p:sp>
+        <p:nvSpPr>
+          <p:cNvPr id="3" name="Content Placeholder 2"/>
+          <p:cNvSpPr>
+            <a:spLocks noGrp="1"/>
+          </p:cNvSpPr>
+          <p:nvPr>
+            <p:ph sz="quarter" idx="1"/>
+          </p:nvPr>
+        </p:nvSpPr>
+        <p:spPr/>
+        <p:txBody>
+          <a:bodyPr/>
+          <a:lstStyle/>
+          <a:p>
+            <a:r>
+              <a:rPr lang="pt-BR" dirty="0" smtClean="0"/>
+              <a:t>Segundo menor autovalor = conectividade algébrica</a:t>
+            </a:r>
+          </a:p>
+          <a:p>
+            <a:r>
+              <a:rPr lang="pt-BR" dirty="0" smtClean="0"/>
+              <a:t>Sincronizabilidade (?) de redes</a:t>
+            </a:r>
+          </a:p>
+          <a:p>
+            <a:r>
+              <a:rPr lang="pt-BR" dirty="0" smtClean="0"/>
+              <a:t>Inversamente afetado pelo número de vértices</a:t>
+            </a:r>
+          </a:p>
+          <a:p>
+            <a:r>
+              <a:rPr lang="pt-BR" dirty="0" smtClean="0"/>
+              <a:t>Diretamente afetado pelo grau médio</a:t>
+            </a:r>
+            <a:endParaRPr lang="en-US" dirty="0"/>
+          </a:p>
+        </p:txBody>
+      </p:sp>
+    </p:spTree>
+  </p:cSld>
+  <p:clrMapOvr>
+    <a:masterClrMapping/>
+  </p:clrMapOvr>
+</p:sld>
+</file>
+
+<file path=ppt/slides/slide15.xml><?xml version="1.0" encoding="utf-8"?>
+<p:sld xmlns:a="http://schemas.openxmlformats.org/drawingml/2006/main" xmlns:r="http://schemas.openxmlformats.org/officeDocument/2006/relationships" xmlns:p="http://schemas.openxmlformats.org/presentationml/2006/main">
+  <p:cSld>
+    <p:spTree>
+      <p:nvGrpSpPr>
+        <p:cNvPr id="1" name=""/>
+        <p:cNvGrpSpPr/>
+        <p:nvPr/>
+      </p:nvGrpSpPr>
+      <p:grpSpPr>
+        <a:xfrm>
+          <a:off x="0" y="0"/>
+          <a:ext cx="0" cy="0"/>
+          <a:chOff x="0" y="0"/>
+          <a:chExt cx="0" cy="0"/>
+        </a:xfrm>
+      </p:grpSpPr>
+      <p:sp>
+        <p:nvSpPr>
+          <p:cNvPr id="2" name="Title 1"/>
+          <p:cNvSpPr>
+            <a:spLocks noGrp="1"/>
+          </p:cNvSpPr>
+          <p:nvPr>
+            <p:ph type="title"/>
+          </p:nvPr>
+        </p:nvSpPr>
+        <p:spPr/>
+        <p:txBody>
+          <a:bodyPr/>
+          <a:lstStyle/>
+          <a:p>
+            <a:r>
+              <a:rPr lang="pt-BR" dirty="0" smtClean="0"/>
+              <a:t>Matriz Laplaciana</a:t>
+            </a:r>
+            <a:endParaRPr lang="en-US" dirty="0"/>
+          </a:p>
+        </p:txBody>
+      </p:sp>
+      <p:sp>
+        <p:nvSpPr>
+          <p:cNvPr id="3" name="Content Placeholder 2"/>
+          <p:cNvSpPr>
+            <a:spLocks noGrp="1"/>
+          </p:cNvSpPr>
+          <p:nvPr>
+            <p:ph sz="quarter" idx="1"/>
+          </p:nvPr>
+        </p:nvSpPr>
+        <p:spPr/>
+        <p:txBody>
+          <a:bodyPr/>
+          <a:lstStyle/>
+          <a:p>
+            <a:r>
+              <a:rPr lang="pt-BR" dirty="0" smtClean="0"/>
+              <a:t>Teorema de Kirchhoff</a:t>
+            </a:r>
+          </a:p>
+          <a:p>
+            <a:endParaRPr lang="en-US" dirty="0"/>
+          </a:p>
+        </p:txBody>
+      </p:sp>
+      <p:pic>
+        <p:nvPicPr>
+          <p:cNvPr id="4" name="Picture 3" descr="c945257cac91f010d569db77a83cf6ed.png"/>
+          <p:cNvPicPr>
+            <a:picLocks noChangeAspect="1"/>
+          </p:cNvPicPr>
+          <p:nvPr/>
+        </p:nvPicPr>
+        <p:blipFill>
+          <a:blip r:embed="rId2" cstate="print"/>
+          <a:stretch>
+            <a:fillRect/>
+          </a:stretch>
+        </p:blipFill>
+        <p:spPr>
+          <a:xfrm>
+            <a:off x="2133600" y="1981200"/>
+            <a:ext cx="4890044" cy="1033463"/>
+          </a:xfrm>
+          <a:prstGeom prst="rect">
+            <a:avLst/>
+          </a:prstGeom>
+        </p:spPr>
+      </p:pic>
+    </p:spTree>
+  </p:cSld>
+  <p:clrMapOvr>
+    <a:masterClrMapping/>
+  </p:clrMapOvr>
+</p:sld>
+</file>
+
+<file path=ppt/slides/slide16.xml><?xml version="1.0" encoding="utf-8"?>
+<p:sld xmlns:a="http://schemas.openxmlformats.org/drawingml/2006/main" xmlns:r="http://schemas.openxmlformats.org/officeDocument/2006/relationships" xmlns:p="http://schemas.openxmlformats.org/presentationml/2006/main">
+  <p:cSld>
+    <p:spTree>
+      <p:nvGrpSpPr>
+        <p:cNvPr id="1" name=""/>
+        <p:cNvGrpSpPr/>
+        <p:nvPr/>
+      </p:nvGrpSpPr>
+      <p:grpSpPr>
+        <a:xfrm>
+          <a:off x="0" y="0"/>
+          <a:ext cx="0" cy="0"/>
+          <a:chOff x="0" y="0"/>
+          <a:chExt cx="0" cy="0"/>
+        </a:xfrm>
+      </p:grpSpPr>
+      <p:sp>
+        <p:nvSpPr>
+          <p:cNvPr id="2" name="Title 1"/>
+          <p:cNvSpPr>
+            <a:spLocks noGrp="1"/>
+          </p:cNvSpPr>
+          <p:nvPr>
+            <p:ph type="title"/>
+          </p:nvPr>
+        </p:nvSpPr>
+        <p:spPr/>
+        <p:txBody>
+          <a:bodyPr/>
+          <a:lstStyle/>
+          <a:p>
+            <a:r>
+              <a:rPr lang="pt-BR" dirty="0" smtClean="0"/>
+              <a:t>Programinha</a:t>
+            </a:r>
+            <a:endParaRPr lang="en-US" dirty="0"/>
+          </a:p>
+        </p:txBody>
+      </p:sp>
+      <p:sp>
+        <p:nvSpPr>
+          <p:cNvPr id="3" name="Content Placeholder 2"/>
+          <p:cNvSpPr>
+            <a:spLocks noGrp="1"/>
+          </p:cNvSpPr>
+          <p:nvPr>
+            <p:ph sz="quarter" idx="1"/>
+          </p:nvPr>
+        </p:nvSpPr>
+        <p:spPr/>
+        <p:txBody>
+          <a:bodyPr/>
+          <a:lstStyle/>
+          <a:p>
+            <a:endParaRPr lang="en-US"/>
+          </a:p>
+        </p:txBody>
+      </p:sp>
+      <p:pic>
+        <p:nvPicPr>
+          <p:cNvPr id="3074" name="Picture 2"/>
+          <p:cNvPicPr>
+            <a:picLocks noChangeAspect="1" noChangeArrowheads="1"/>
+          </p:cNvPicPr>
+          <p:nvPr/>
+        </p:nvPicPr>
+        <p:blipFill>
+          <a:blip r:embed="rId2" cstate="print"/>
+          <a:srcRect/>
+          <a:stretch>
+            <a:fillRect/>
+          </a:stretch>
+        </p:blipFill>
+        <p:spPr bwMode="auto">
+          <a:xfrm>
+            <a:off x="685800" y="1524000"/>
+            <a:ext cx="8051879" cy="4392557"/>
+          </a:xfrm>
+          <a:prstGeom prst="rect">
+            <a:avLst/>
+          </a:prstGeom>
+          <a:noFill/>
+          <a:ln w="9525">
+            <a:noFill/>
+            <a:miter lim="800000"/>
+            <a:headEnd/>
+            <a:tailEnd/>
+          </a:ln>
+        </p:spPr>
+      </p:pic>
+    </p:spTree>
+  </p:cSld>
+  <p:clrMapOvr>
+    <a:masterClrMapping/>
+  </p:clrMapOvr>
+</p:sld>
+</file>
+
+<file path=ppt/slides/slide17.xml><?xml version="1.0" encoding="utf-8"?>
+<p:sld xmlns:a="http://schemas.openxmlformats.org/drawingml/2006/main" xmlns:r="http://schemas.openxmlformats.org/officeDocument/2006/relationships" xmlns:p="http://schemas.openxmlformats.org/presentationml/2006/main">
+  <p:cSld>
+    <p:spTree>
+      <p:nvGrpSpPr>
+        <p:cNvPr id="1" name=""/>
+        <p:cNvGrpSpPr/>
+        <p:nvPr/>
+      </p:nvGrpSpPr>
+      <p:grpSpPr>
+        <a:xfrm>
+          <a:off x="0" y="0"/>
+          <a:ext cx="0" cy="0"/>
+          <a:chOff x="0" y="0"/>
+          <a:chExt cx="0" cy="0"/>
+        </a:xfrm>
+      </p:grpSpPr>
+      <p:sp>
+        <p:nvSpPr>
+          <p:cNvPr id="2" name="Title 1"/>
+          <p:cNvSpPr>
+            <a:spLocks noGrp="1"/>
+          </p:cNvSpPr>
+          <p:nvPr>
+            <p:ph type="title"/>
+          </p:nvPr>
+        </p:nvSpPr>
+        <p:spPr/>
+        <p:txBody>
+          <a:bodyPr/>
+          <a:lstStyle/>
+          <a:p>
+            <a:r>
+              <a:rPr lang="pt-BR" dirty="0" smtClean="0"/>
+              <a:t>Obrigado</a:t>
+            </a:r>
+            <a:endParaRPr lang="en-US" dirty="0"/>
+          </a:p>
+        </p:txBody>
+      </p:sp>
+      <p:sp>
+        <p:nvSpPr>
+          <p:cNvPr id="3" name="Content Placeholder 2"/>
+          <p:cNvSpPr>
+            <a:spLocks noGrp="1"/>
+          </p:cNvSpPr>
+          <p:nvPr>
+            <p:ph sz="quarter" idx="1"/>
+          </p:nvPr>
+        </p:nvSpPr>
+        <p:spPr/>
+        <p:txBody>
+          <a:bodyPr/>
+          <a:lstStyle/>
+          <a:p>
+            <a:r>
+              <a:rPr lang="pt-BR" dirty="0" smtClean="0"/>
+              <a:t>Baixe o programa, seu código-fonte e esta apresentação em:</a:t>
+            </a:r>
+          </a:p>
+          <a:p>
+            <a:endParaRPr lang="pt-BR" dirty="0" smtClean="0"/>
+          </a:p>
+          <a:p>
+            <a:pPr>
+              <a:buNone/>
+            </a:pPr>
+            <a:endParaRPr lang="pt-BR" dirty="0" smtClean="0"/>
+          </a:p>
+          <a:p>
+            <a:pPr algn="ctr">
+              <a:buNone/>
+            </a:pPr>
+            <a:r>
+              <a:rPr lang="pt-BR" sz="3600" dirty="0" smtClean="0"/>
+              <a:t>http://  </a:t>
+            </a:r>
+            <a:r>
+              <a:rPr lang="pt-BR" sz="3600" b="1" dirty="0" smtClean="0">
+                <a:solidFill>
+                  <a:srgbClr val="FF0000"/>
+                </a:solidFill>
+              </a:rPr>
+              <a:t>ALC</a:t>
+            </a:r>
+            <a:r>
+              <a:rPr lang="pt-BR" sz="3600" dirty="0" smtClean="0"/>
+              <a:t>  .juanlopes.net</a:t>
+            </a:r>
+            <a:endParaRPr lang="en-US" sz="3600" dirty="0" smtClean="0"/>
+          </a:p>
+          <a:p>
+            <a:endParaRPr lang="pt-BR" dirty="0" smtClean="0"/>
+          </a:p>
+        </p:txBody>
+      </p:sp>
     </p:spTree>
   </p:cSld>
   <p:clrMapOvr>
@@ -4021,6 +4901,13 @@
   <p:clrMapOvr>
     <a:masterClrMapping/>
   </p:clrMapOvr>
+  <p:timing>
+    <p:tnLst>
+      <p:par>
+        <p:cTn id="1" dur="indefinite" restart="never" nodeType="tmRoot"/>
+      </p:par>
+    </p:tnLst>
+  </p:timing>
 </p:sld>
 </file>
 
@@ -4092,6 +4979,13 @@
   <p:clrMapOvr>
     <a:masterClrMapping/>
   </p:clrMapOvr>
+  <p:timing>
+    <p:tnLst>
+      <p:par>
+        <p:cTn id="1" dur="indefinite" restart="never" nodeType="tmRoot"/>
+      </p:par>
+    </p:tnLst>
+  </p:timing>
 </p:sld>
 </file>
 
@@ -4163,6 +5057,13 @@
   <p:clrMapOvr>
     <a:masterClrMapping/>
   </p:clrMapOvr>
+  <p:timing>
+    <p:tnLst>
+      <p:par>
+        <p:cTn id="1" dur="indefinite" restart="never" nodeType="tmRoot"/>
+      </p:par>
+    </p:tnLst>
+  </p:timing>
 </p:sld>
 </file>
 
@@ -4234,6 +5135,13 @@
   <p:clrMapOvr>
     <a:masterClrMapping/>
   </p:clrMapOvr>
+  <p:timing>
+    <p:tnLst>
+      <p:par>
+        <p:cTn id="1" dur="indefinite" restart="never" nodeType="tmRoot"/>
+      </p:par>
+    </p:tnLst>
+  </p:timing>
 </p:sld>
 </file>
 
@@ -4294,9 +5202,30 @@
           </a:bodyPr>
           <a:lstStyle/>
           <a:p>
+            <a:pPr algn="ctr">
+              <a:buNone/>
+            </a:pPr>
+            <a:endParaRPr lang="pt-BR" sz="9600" dirty="0" smtClean="0"/>
+          </a:p>
+          <a:p>
+            <a:pPr algn="ctr">
+              <a:buNone/>
+            </a:pPr>
             <a:r>
               <a:rPr lang="pt-BR" sz="9600" dirty="0" smtClean="0"/>
-              <a:t>G=(V,E)</a:t>
+              <a:t>G</a:t>
+            </a:r>
+            <a:r>
+              <a:rPr lang="pt-BR" sz="9600" dirty="0" smtClean="0"/>
+              <a:t>=(V</a:t>
+            </a:r>
+            <a:r>
+              <a:rPr lang="pt-BR" sz="9600" dirty="0" smtClean="0"/>
+              <a:t>, E</a:t>
+            </a:r>
+            <a:r>
+              <a:rPr lang="pt-BR" sz="9600" dirty="0" smtClean="0"/>
+              <a:t>)</a:t>
             </a:r>
             <a:endParaRPr lang="en-US" sz="9600" dirty="0"/>
           </a:p>
@@ -4307,6 +5236,13 @@
   <p:clrMapOvr>
     <a:masterClrMapping/>
   </p:clrMapOvr>
+  <p:timing>
+    <p:tnLst>
+      <p:par>
+        <p:cTn id="1" dur="indefinite" restart="never" nodeType="tmRoot"/>
+      </p:par>
+    </p:tnLst>
+  </p:timing>
 </p:sld>
 </file>
 
@@ -4378,6 +5314,13 @@
   <p:clrMapOvr>
     <a:masterClrMapping/>
   </p:clrMapOvr>
+  <p:timing>
+    <p:tnLst>
+      <p:par>
+        <p:cTn id="1" dur="indefinite" restart="never" nodeType="tmRoot"/>
+      </p:par>
+    </p:tnLst>
+  </p:timing>
 </p:sld>
 </file>
 
@@ -4445,13 +5388,29 @@
             <a:pPr lvl="1"/>
             <a:r>
               <a:rPr lang="pt-BR" dirty="0" smtClean="0"/>
-              <a:t>Possui conjunto completo de autovalores reais</a:t>
-            </a:r>
-          </a:p>
-          <a:p>
+              <a:t>Possui conjunto completo de autovalores </a:t>
+            </a:r>
             <a:r>
               <a:rPr lang="pt-BR" dirty="0" smtClean="0"/>
-              <a:t>Diagonal principal = 0</a:t>
+              <a:t>reais</a:t>
+            </a:r>
+          </a:p>
+          <a:p>
+            <a:pPr lvl="1"/>
+            <a:r>
+              <a:rPr lang="pt-BR" sz="2000" dirty="0" smtClean="0"/>
+              <a:t>Teorema Espectral ftw.</a:t>
+            </a:r>
+            <a:endParaRPr lang="en-US" dirty="0" smtClean="0"/>
+          </a:p>
+          <a:p>
+            <a:r>
+              <a:rPr lang="pt-BR" dirty="0" smtClean="0"/>
+              <a:t>Diagonal </a:t>
+            </a:r>
+            <a:r>
+              <a:rPr lang="pt-BR" dirty="0" smtClean="0"/>
+              <a:t>principal = 0</a:t>
             </a:r>
           </a:p>
           <a:p>
@@ -4482,8 +5441,8 @@
         </p:blipFill>
         <p:spPr>
           <a:xfrm>
-            <a:off x="2895600" y="3200400"/>
-            <a:ext cx="3352800" cy="3029469"/>
+            <a:off x="3124200" y="3406955"/>
+            <a:ext cx="3124200" cy="2822914"/>
           </a:xfrm>
           <a:prstGeom prst="rect">
             <a:avLst/>
@@ -4495,6 +5454,13 @@
   <p:clrMapOvr>
     <a:masterClrMapping/>
   </p:clrMapOvr>
+  <p:timing>
+    <p:tnLst>
+      <p:par>
+        <p:cTn id="1" dur="indefinite" restart="never" nodeType="tmRoot"/>
+      </p:par>
+    </p:tnLst>
+  </p:timing>
 </p:sld>
 </file>
 
@@ -4563,13 +5529,21 @@
             </a:r>
             <a:r>
               <a:rPr lang="pt-BR" sz="2400" dirty="0" smtClean="0"/>
-              <a:t> é o número de passeios de tamanho k no grafo</a:t>
-            </a:r>
-          </a:p>
-          <a:p>
+              <a:t> é </a:t>
+            </a:r>
             <a:r>
               <a:rPr lang="pt-BR" sz="2400" dirty="0" smtClean="0"/>
-              <a:t>A</a:t>
+              <a:t>a matriz </a:t>
+            </a:r>
+            <a:r>
+              <a:rPr lang="pt-BR" sz="2400" dirty="0" smtClean="0"/>
+              <a:t>de passeios de tamanho k no grafo</a:t>
+            </a:r>
+          </a:p>
+          <a:p>
+            <a:r>
+              <a:rPr lang="pt-BR" sz="2400" dirty="0" smtClean="0"/>
+              <a:t>Traço(A</a:t>
             </a:r>
             <a:r>
               <a:rPr lang="pt-BR" sz="2400" baseline="30000" dirty="0" smtClean="0"/>
@@ -4577,23 +5551,58 @@
             </a:r>
             <a:r>
               <a:rPr lang="pt-BR" sz="2400" dirty="0" smtClean="0"/>
-              <a:t> é o número de triângulos do grafo</a:t>
-            </a:r>
-          </a:p>
-          <a:p>
+              <a:t>) é </a:t>
+            </a:r>
             <a:r>
               <a:rPr lang="pt-BR" sz="2400" dirty="0" smtClean="0"/>
-              <a:t>Teorema Espectral ftw.</a:t>
-            </a:r>
-            <a:endParaRPr lang="en-US" dirty="0"/>
-          </a:p>
-        </p:txBody>
-      </p:sp>
+              <a:t>o número de triângulos do </a:t>
+            </a:r>
+            <a:r>
+              <a:rPr lang="pt-BR" sz="2400" dirty="0" smtClean="0"/>
+              <a:t>grafo</a:t>
+            </a:r>
+          </a:p>
+          <a:p>
+            <a:endParaRPr lang="pt-BR" sz="2400" dirty="0" smtClean="0"/>
+          </a:p>
+        </p:txBody>
+      </p:sp>
+      <p:pic>
+        <p:nvPicPr>
+          <p:cNvPr id="4" name="Picture 3" descr="420px-Nauru_graph.svg.png"/>
+          <p:cNvPicPr>
+            <a:picLocks noChangeAspect="1"/>
+          </p:cNvPicPr>
+          <p:nvPr/>
+        </p:nvPicPr>
+        <p:blipFill>
+          <a:blip r:embed="rId2" cstate="print"/>
+          <a:stretch>
+            <a:fillRect/>
+          </a:stretch>
+        </p:blipFill>
+        <p:spPr>
+          <a:xfrm>
+            <a:off x="2438400" y="2286000"/>
+            <a:ext cx="4000500" cy="4000500"/>
+          </a:xfrm>
+          <a:prstGeom prst="rect">
+            <a:avLst/>
+          </a:prstGeom>
+        </p:spPr>
+      </p:pic>
     </p:spTree>
   </p:cSld>
   <p:clrMapOvr>
     <a:masterClrMapping/>
   </p:clrMapOvr>
+  <p:timing>
+    <p:tnLst>
+      <p:par>
+        <p:cTn id="1" dur="indefinite" restart="never" nodeType="tmRoot"/>
+      </p:par>
+    </p:tnLst>
+  </p:timing>
 </p:sld>
 </file>
 

--- a/doc/Apresentacao.pptx
+++ b/doc/Apresentacao.pptx
@@ -267,7 +267,7 @@
             <a:fld id="{4AE002B1-C43F-4CB2-B631-F086D5EBA35B}" type="datetimeFigureOut">
               <a:rPr lang="en-US" smtClean="0"/>
               <a:pPr/>
-              <a:t>5/26/2010</a:t>
+              <a:t>5/27/2010</a:t>
             </a:fld>
             <a:endParaRPr lang="en-US"/>
           </a:p>
@@ -628,7 +628,7 @@
             <a:fld id="{4AE002B1-C43F-4CB2-B631-F086D5EBA35B}" type="datetimeFigureOut">
               <a:rPr lang="en-US" smtClean="0"/>
               <a:pPr/>
-              <a:t>5/26/2010</a:t>
+              <a:t>5/27/2010</a:t>
             </a:fld>
             <a:endParaRPr lang="en-US"/>
           </a:p>
@@ -805,7 +805,7 @@
             <a:fld id="{4AE002B1-C43F-4CB2-B631-F086D5EBA35B}" type="datetimeFigureOut">
               <a:rPr lang="en-US" smtClean="0"/>
               <a:pPr/>
-              <a:t>5/26/2010</a:t>
+              <a:t>5/27/2010</a:t>
             </a:fld>
             <a:endParaRPr lang="en-US"/>
           </a:p>
@@ -1042,7 +1042,7 @@
             <a:fld id="{4AE002B1-C43F-4CB2-B631-F086D5EBA35B}" type="datetimeFigureOut">
               <a:rPr lang="en-US" smtClean="0"/>
               <a:pPr/>
-              <a:t>5/26/2010</a:t>
+              <a:t>5/27/2010</a:t>
             </a:fld>
             <a:endParaRPr lang="en-US"/>
           </a:p>
@@ -1313,7 +1313,7 @@
             <a:fld id="{4AE002B1-C43F-4CB2-B631-F086D5EBA35B}" type="datetimeFigureOut">
               <a:rPr lang="en-US" smtClean="0"/>
               <a:pPr/>
-              <a:t>5/26/2010</a:t>
+              <a:t>5/27/2010</a:t>
             </a:fld>
             <a:endParaRPr lang="en-US"/>
           </a:p>
@@ -1535,7 +1535,7 @@
             <a:fld id="{4AE002B1-C43F-4CB2-B631-F086D5EBA35B}" type="datetimeFigureOut">
               <a:rPr lang="en-US" smtClean="0"/>
               <a:pPr/>
-              <a:t>5/26/2010</a:t>
+              <a:t>5/27/2010</a:t>
             </a:fld>
             <a:endParaRPr lang="en-US"/>
           </a:p>
@@ -1889,7 +1889,7 @@
             <a:fld id="{4AE002B1-C43F-4CB2-B631-F086D5EBA35B}" type="datetimeFigureOut">
               <a:rPr lang="en-US" smtClean="0"/>
               <a:pPr/>
-              <a:t>5/26/2010</a:t>
+              <a:t>5/27/2010</a:t>
             </a:fld>
             <a:endParaRPr lang="en-US"/>
           </a:p>
@@ -2123,7 +2123,7 @@
             <a:fld id="{4AE002B1-C43F-4CB2-B631-F086D5EBA35B}" type="datetimeFigureOut">
               <a:rPr lang="en-US" smtClean="0"/>
               <a:pPr/>
-              <a:t>5/26/2010</a:t>
+              <a:t>5/27/2010</a:t>
             </a:fld>
             <a:endParaRPr lang="en-US"/>
           </a:p>
@@ -2265,7 +2265,7 @@
             <a:fld id="{4AE002B1-C43F-4CB2-B631-F086D5EBA35B}" type="datetimeFigureOut">
               <a:rPr lang="en-US" smtClean="0"/>
               <a:pPr/>
-              <a:t>5/26/2010</a:t>
+              <a:t>5/27/2010</a:t>
             </a:fld>
             <a:endParaRPr lang="en-US"/>
           </a:p>
@@ -2544,7 +2544,7 @@
             <a:fld id="{4AE002B1-C43F-4CB2-B631-F086D5EBA35B}" type="datetimeFigureOut">
               <a:rPr lang="en-US" smtClean="0"/>
               <a:pPr/>
-              <a:t>5/26/2010</a:t>
+              <a:t>5/27/2010</a:t>
             </a:fld>
             <a:endParaRPr lang="en-US"/>
           </a:p>
@@ -2953,7 +2953,7 @@
             <a:fld id="{4AE002B1-C43F-4CB2-B631-F086D5EBA35B}" type="datetimeFigureOut">
               <a:rPr lang="en-US" smtClean="0"/>
               <a:pPr/>
-              <a:t>5/26/2010</a:t>
+              <a:t>5/27/2010</a:t>
             </a:fld>
             <a:endParaRPr lang="en-US"/>
           </a:p>
@@ -3293,7 +3293,7 @@
             <a:fld id="{4AE002B1-C43F-4CB2-B631-F086D5EBA35B}" type="datetimeFigureOut">
               <a:rPr lang="en-US" smtClean="0"/>
               <a:pPr/>
-              <a:t>5/26/2010</a:t>
+              <a:t>5/27/2010</a:t>
             </a:fld>
             <a:endParaRPr lang="en-US"/>
           </a:p>
@@ -3844,46 +3844,30 @@
           <a:p>
             <a:r>
               <a:rPr lang="pt-BR" dirty="0" smtClean="0"/>
-              <a:t>Um Estudo das Matrizes Associadas </a:t>
-            </a:r>
+              <a:t>Um Estudo das Matrizes Associadas a Grafos Não-direcionados</a:t>
+            </a:r>
+            <a:endParaRPr lang="en-US" dirty="0"/>
+          </a:p>
+        </p:txBody>
+      </p:sp>
+      <p:sp>
+        <p:nvSpPr>
+          <p:cNvPr id="3" name="Subtitle 2"/>
+          <p:cNvSpPr>
+            <a:spLocks noGrp="1"/>
+          </p:cNvSpPr>
+          <p:nvPr>
+            <p:ph type="subTitle" idx="1"/>
+          </p:nvPr>
+        </p:nvSpPr>
+        <p:spPr/>
+        <p:txBody>
+          <a:bodyPr/>
+          <a:lstStyle/>
+          <a:p>
             <a:r>
               <a:rPr lang="pt-BR" dirty="0" smtClean="0"/>
-              <a:t>a </a:t>
-            </a:r>
-            <a:r>
-              <a:rPr lang="pt-BR" dirty="0" smtClean="0"/>
-              <a:t>Grafos Não-direcionados</a:t>
-            </a:r>
-            <a:endParaRPr lang="en-US" dirty="0"/>
-          </a:p>
-        </p:txBody>
-      </p:sp>
-      <p:sp>
-        <p:nvSpPr>
-          <p:cNvPr id="3" name="Subtitle 2"/>
-          <p:cNvSpPr>
-            <a:spLocks noGrp="1"/>
-          </p:cNvSpPr>
-          <p:nvPr>
-            <p:ph type="subTitle" idx="1"/>
-          </p:nvPr>
-        </p:nvSpPr>
-        <p:spPr/>
-        <p:txBody>
-          <a:bodyPr/>
-          <a:lstStyle/>
-          <a:p>
-            <a:r>
-              <a:rPr lang="pt-BR" dirty="0" smtClean="0"/>
-              <a:t>Juan </a:t>
-            </a:r>
-            <a:r>
-              <a:rPr lang="pt-BR" dirty="0" smtClean="0"/>
-              <a:t>Lopes, PPGI, </a:t>
-            </a:r>
-            <a:r>
-              <a:rPr lang="pt-BR" dirty="0" smtClean="0"/>
-              <a:t>2010</a:t>
+              <a:t>Juan Lopes, PPGI, 2010</a:t>
             </a:r>
             <a:endParaRPr lang="en-US" dirty="0"/>
           </a:p>
@@ -3986,9 +3970,33 @@
         </p:blipFill>
         <p:spPr>
           <a:xfrm>
-            <a:off x="2157412" y="1273175"/>
+            <a:off x="914400" y="1295400"/>
             <a:ext cx="4829175" cy="4829175"/>
           </a:xfrm>
+        </p:spPr>
+      </p:pic>
+      <p:pic>
+        <p:nvPicPr>
+          <p:cNvPr id="5" name="Picture 4" descr="nauru-flag.gif"/>
+          <p:cNvPicPr>
+            <a:picLocks noChangeAspect="1"/>
+          </p:cNvPicPr>
+          <p:nvPr/>
+        </p:nvPicPr>
+        <p:blipFill>
+          <a:blip r:embed="rId3" cstate="print"/>
+          <a:stretch>
+            <a:fillRect/>
+          </a:stretch>
+        </p:blipFill>
+        <p:spPr>
+          <a:xfrm>
+            <a:off x="5867400" y="1371600"/>
+            <a:ext cx="2085975" cy="1417393"/>
+          </a:xfrm>
+          <a:prstGeom prst="rect">
+            <a:avLst/>
+          </a:prstGeom>
         </p:spPr>
       </p:pic>
     </p:spTree>
@@ -5213,19 +5221,7 @@
             </a:pPr>
             <a:r>
               <a:rPr lang="pt-BR" sz="9600" dirty="0" smtClean="0"/>
-              <a:t>G</a:t>
-            </a:r>
-            <a:r>
-              <a:rPr lang="pt-BR" sz="9600" dirty="0" smtClean="0"/>
-              <a:t>=(V</a:t>
-            </a:r>
-            <a:r>
-              <a:rPr lang="pt-BR" sz="9600" dirty="0" smtClean="0"/>
-              <a:t>, E</a:t>
-            </a:r>
-            <a:r>
-              <a:rPr lang="pt-BR" sz="9600" dirty="0" smtClean="0"/>
-              <a:t>)</a:t>
+              <a:t>G=(V, E)</a:t>
             </a:r>
             <a:endParaRPr lang="en-US" sz="9600" dirty="0"/>
           </a:p>
@@ -5388,11 +5384,7 @@
             <a:pPr lvl="1"/>
             <a:r>
               <a:rPr lang="pt-BR" dirty="0" smtClean="0"/>
-              <a:t>Possui conjunto completo de autovalores </a:t>
-            </a:r>
-            <a:r>
-              <a:rPr lang="pt-BR" dirty="0" smtClean="0"/>
-              <a:t>reais</a:t>
+              <a:t>Possui conjunto completo de autovalores reais</a:t>
             </a:r>
           </a:p>
           <a:p>
@@ -5406,11 +5398,7 @@
           <a:p>
             <a:r>
               <a:rPr lang="pt-BR" dirty="0" smtClean="0"/>
-              <a:t>Diagonal </a:t>
-            </a:r>
-            <a:r>
-              <a:rPr lang="pt-BR" dirty="0" smtClean="0"/>
-              <a:t>principal = 0</a:t>
+              <a:t>Diagonal principal = 0</a:t>
             </a:r>
           </a:p>
           <a:p>
@@ -5529,15 +5517,7 @@
             </a:r>
             <a:r>
               <a:rPr lang="pt-BR" sz="2400" dirty="0" smtClean="0"/>
-              <a:t> é </a:t>
-            </a:r>
-            <a:r>
-              <a:rPr lang="pt-BR" sz="2400" dirty="0" smtClean="0"/>
-              <a:t>a matriz </a:t>
-            </a:r>
-            <a:r>
-              <a:rPr lang="pt-BR" sz="2400" dirty="0" smtClean="0"/>
-              <a:t>de passeios de tamanho k no grafo</a:t>
+              <a:t> é a matriz de passeios de tamanho k no grafo</a:t>
             </a:r>
           </a:p>
           <a:p>
@@ -5551,15 +5531,7 @@
             </a:r>
             <a:r>
               <a:rPr lang="pt-BR" sz="2400" dirty="0" smtClean="0"/>
-              <a:t>) é </a:t>
-            </a:r>
-            <a:r>
-              <a:rPr lang="pt-BR" sz="2400" dirty="0" smtClean="0"/>
-              <a:t>o número de triângulos do </a:t>
-            </a:r>
-            <a:r>
-              <a:rPr lang="pt-BR" sz="2400" dirty="0" smtClean="0"/>
-              <a:t>grafo</a:t>
+              <a:t>) é o número de triângulos do grafo</a:t>
             </a:r>
           </a:p>
           <a:p>
